--- a/40信徒合一.pptx
+++ b/40信徒合一.pptx
@@ -7,14 +7,14 @@
   <p:sldIdLst>
     <p:sldId id="256" r:id="rId2"/>
     <p:sldId id="257" r:id="rId3"/>
-    <p:sldId id="258" r:id="rId4"/>
-    <p:sldId id="259" r:id="rId5"/>
-    <p:sldId id="262" r:id="rId6"/>
-    <p:sldId id="260" r:id="rId7"/>
-    <p:sldId id="261" r:id="rId8"/>
-    <p:sldId id="263" r:id="rId9"/>
+    <p:sldId id="264" r:id="rId4"/>
+    <p:sldId id="265" r:id="rId5"/>
+    <p:sldId id="266" r:id="rId6"/>
+    <p:sldId id="267" r:id="rId7"/>
+    <p:sldId id="268" r:id="rId8"/>
+    <p:sldId id="269" r:id="rId9"/>
   </p:sldIdLst>
-  <p:sldSz cx="9144000" cy="6858000" type="screen4x3"/>
+  <p:sldSz cx="12192000" cy="6858000"/>
   <p:notesSz cx="6858000" cy="9144000"/>
   <p:defaultTextStyle>
     <a:defPPr>
@@ -111,6 +111,22 @@
       </a:defRPr>
     </a:lvl9pPr>
   </p:defaultTextStyle>
+  <p:extLst>
+    <p:ext uri="{EFAFB233-063F-42B5-8137-9DF3F51BA10A}">
+      <p15:sldGuideLst xmlns:p15="http://schemas.microsoft.com/office/powerpoint/2012/main">
+        <p15:guide id="1" orient="horz" pos="2160" userDrawn="1">
+          <p15:clr>
+            <a:srgbClr val="A4A3A4"/>
+          </p15:clr>
+        </p15:guide>
+        <p15:guide id="2" pos="3840" userDrawn="1">
+          <p15:clr>
+            <a:srgbClr val="A4A3A4"/>
+          </p15:clr>
+        </p15:guide>
+      </p15:sldGuideLst>
+    </p:ext>
+  </p:extLst>
 </p:presentation>
 </file>
 
@@ -148,8 +164,8 @@
         </p:nvSpPr>
         <p:spPr>
           <a:xfrm>
-            <a:off x="2286000" y="3124200"/>
-            <a:ext cx="6172200" cy="1894362"/>
+            <a:off x="3048000" y="3124200"/>
+            <a:ext cx="8229600" cy="1894362"/>
           </a:xfrm>
         </p:spPr>
         <p:txBody>
@@ -180,8 +196,8 @@
         </p:nvSpPr>
         <p:spPr>
           <a:xfrm>
-            <a:off x="2286000" y="5003322"/>
-            <a:ext cx="6172200" cy="1371600"/>
+            <a:off x="3048000" y="5003322"/>
+            <a:ext cx="8229600" cy="1371600"/>
           </a:xfrm>
         </p:spPr>
         <p:txBody>
@@ -241,8 +257,8 @@
         </p:nvSpPr>
         <p:spPr bwMode="auto">
           <a:xfrm rot="5400000">
-            <a:off x="7764621" y="1174097"/>
-            <a:ext cx="2286000" cy="381000"/>
+            <a:off x="10733828" y="1110597"/>
+            <a:ext cx="2286000" cy="508000"/>
           </a:xfrm>
         </p:spPr>
         <p:txBody>
@@ -252,7 +268,7 @@
             <a:fld id="{86B5546F-C09B-4E63-ABC5-F7C86A7E8D66}" type="datetimeFigureOut">
               <a:rPr lang="en-US" smtClean="0"/>
               <a:pPr/>
-              <a:t>9/1/2018</a:t>
+              <a:t>11/16/2019</a:t>
             </a:fld>
             <a:endParaRPr lang="en-US"/>
           </a:p>
@@ -270,8 +286,8 @@
         </p:nvSpPr>
         <p:spPr bwMode="auto">
           <a:xfrm rot="5400000">
-            <a:off x="7077269" y="4181669"/>
-            <a:ext cx="3657600" cy="384048"/>
+            <a:off x="10045959" y="4117661"/>
+            <a:ext cx="3657600" cy="512064"/>
           </a:xfrm>
         </p:spPr>
         <p:txBody>
@@ -290,8 +306,8 @@
         </p:nvSpPr>
         <p:spPr bwMode="auto">
           <a:xfrm>
-            <a:off x="381000" y="0"/>
-            <a:ext cx="609600" cy="6858000"/>
+            <a:off x="508000" y="0"/>
+            <a:ext cx="812800" cy="6858000"/>
           </a:xfrm>
           <a:prstGeom prst="rect">
             <a:avLst/>
@@ -327,7 +343,7 @@
           <a:lstStyle/>
           <a:p>
             <a:pPr algn="ctr" eaLnBrk="1" latinLnBrk="0" hangingPunct="1"/>
-            <a:endParaRPr kumimoji="0" lang="en-US"/>
+            <a:endParaRPr kumimoji="0" lang="en-US" sz="1800"/>
           </a:p>
         </p:txBody>
       </p:sp>
@@ -339,8 +355,8 @@
         </p:nvSpPr>
         <p:spPr bwMode="auto">
           <a:xfrm>
-            <a:off x="276336" y="0"/>
-            <a:ext cx="104664" cy="6858000"/>
+            <a:off x="368448" y="0"/>
+            <a:ext cx="139552" cy="6858000"/>
           </a:xfrm>
           <a:prstGeom prst="rect">
             <a:avLst/>
@@ -376,7 +392,7 @@
           <a:lstStyle/>
           <a:p>
             <a:pPr algn="ctr" eaLnBrk="1" latinLnBrk="0" hangingPunct="1"/>
-            <a:endParaRPr kumimoji="0" lang="en-US"/>
+            <a:endParaRPr kumimoji="0" lang="en-US" sz="1800"/>
           </a:p>
         </p:txBody>
       </p:sp>
@@ -388,8 +404,8 @@
         </p:nvSpPr>
         <p:spPr bwMode="auto">
           <a:xfrm>
-            <a:off x="990600" y="0"/>
-            <a:ext cx="181872" cy="6858000"/>
+            <a:off x="1320800" y="0"/>
+            <a:ext cx="242496" cy="6858000"/>
           </a:xfrm>
           <a:prstGeom prst="rect">
             <a:avLst/>
@@ -425,7 +441,7 @@
           <a:lstStyle/>
           <a:p>
             <a:pPr algn="ctr" eaLnBrk="1" latinLnBrk="0" hangingPunct="1"/>
-            <a:endParaRPr kumimoji="0" lang="en-US"/>
+            <a:endParaRPr kumimoji="0" lang="en-US" sz="1800"/>
           </a:p>
         </p:txBody>
       </p:sp>
@@ -437,8 +453,8 @@
         </p:nvSpPr>
         <p:spPr bwMode="auto">
           <a:xfrm>
-            <a:off x="1141320" y="0"/>
-            <a:ext cx="230280" cy="6858000"/>
+            <a:off x="1521760" y="0"/>
+            <a:ext cx="307040" cy="6858000"/>
           </a:xfrm>
           <a:prstGeom prst="rect">
             <a:avLst/>
@@ -474,7 +490,7 @@
           <a:lstStyle/>
           <a:p>
             <a:pPr algn="ctr" eaLnBrk="1" latinLnBrk="0" hangingPunct="1"/>
-            <a:endParaRPr kumimoji="0" lang="en-US"/>
+            <a:endParaRPr kumimoji="0" lang="en-US" sz="1800"/>
           </a:p>
         </p:txBody>
       </p:sp>
@@ -488,7 +504,7 @@
         </p:nvSpPr>
         <p:spPr bwMode="auto">
           <a:xfrm>
-            <a:off x="106344" y="0"/>
+            <a:off x="141792" y="0"/>
             <a:ext cx="0" cy="6858000"/>
           </a:xfrm>
           <a:prstGeom prst="line">
@@ -513,7 +529,7 @@
           <a:bodyPr vert="horz" wrap="square" lIns="91440" tIns="45720" rIns="91440" bIns="45720" anchor="t" compatLnSpc="1"/>
           <a:lstStyle/>
           <a:p>
-            <a:endParaRPr kumimoji="0" lang="en-US"/>
+            <a:endParaRPr kumimoji="0" lang="en-US" sz="1800"/>
           </a:p>
         </p:txBody>
       </p:sp>
@@ -527,7 +543,7 @@
         </p:nvSpPr>
         <p:spPr bwMode="auto">
           <a:xfrm>
-            <a:off x="914400" y="0"/>
+            <a:off x="1219200" y="0"/>
             <a:ext cx="0" cy="6858000"/>
           </a:xfrm>
           <a:prstGeom prst="line">
@@ -552,7 +568,7 @@
           <a:bodyPr vert="horz" wrap="square" lIns="91440" tIns="45720" rIns="91440" bIns="45720" anchor="t" compatLnSpc="1"/>
           <a:lstStyle/>
           <a:p>
-            <a:endParaRPr kumimoji="0" lang="en-US"/>
+            <a:endParaRPr kumimoji="0" lang="en-US" sz="1800"/>
           </a:p>
         </p:txBody>
       </p:sp>
@@ -566,7 +582,7 @@
         </p:nvSpPr>
         <p:spPr bwMode="auto">
           <a:xfrm>
-            <a:off x="854112" y="0"/>
+            <a:off x="1138816" y="0"/>
             <a:ext cx="0" cy="6858000"/>
           </a:xfrm>
           <a:prstGeom prst="line">
@@ -590,7 +606,7 @@
           <a:bodyPr vert="horz" wrap="square" lIns="91440" tIns="45720" rIns="91440" bIns="45720" anchor="t" compatLnSpc="1"/>
           <a:lstStyle/>
           <a:p>
-            <a:endParaRPr kumimoji="0" lang="en-US"/>
+            <a:endParaRPr kumimoji="0" lang="en-US" sz="1800"/>
           </a:p>
         </p:txBody>
       </p:sp>
@@ -604,7 +620,7 @@
         </p:nvSpPr>
         <p:spPr bwMode="auto">
           <a:xfrm>
-            <a:off x="1726640" y="0"/>
+            <a:off x="2302187" y="0"/>
             <a:ext cx="0" cy="6858000"/>
           </a:xfrm>
           <a:prstGeom prst="line">
@@ -629,7 +645,7 @@
           <a:bodyPr vert="horz" wrap="square" lIns="91440" tIns="45720" rIns="91440" bIns="45720" anchor="t" compatLnSpc="1"/>
           <a:lstStyle/>
           <a:p>
-            <a:endParaRPr kumimoji="0" lang="en-US"/>
+            <a:endParaRPr kumimoji="0" lang="en-US" sz="1800"/>
           </a:p>
         </p:txBody>
       </p:sp>
@@ -643,7 +659,7 @@
         </p:nvSpPr>
         <p:spPr bwMode="auto">
           <a:xfrm>
-            <a:off x="1066800" y="0"/>
+            <a:off x="1422400" y="0"/>
             <a:ext cx="0" cy="6858000"/>
           </a:xfrm>
           <a:prstGeom prst="line">
@@ -667,7 +683,7 @@
           <a:bodyPr vert="horz" wrap="square" lIns="91440" tIns="45720" rIns="91440" bIns="45720" anchor="t" compatLnSpc="1"/>
           <a:lstStyle/>
           <a:p>
-            <a:endParaRPr kumimoji="0" lang="en-US"/>
+            <a:endParaRPr kumimoji="0" lang="en-US" sz="1800"/>
           </a:p>
         </p:txBody>
       </p:sp>
@@ -681,7 +697,7 @@
         </p:nvSpPr>
         <p:spPr bwMode="auto">
           <a:xfrm>
-            <a:off x="9113856" y="0"/>
+            <a:off x="12151808" y="0"/>
             <a:ext cx="0" cy="6858000"/>
           </a:xfrm>
           <a:prstGeom prst="line">
@@ -705,7 +721,7 @@
           <a:bodyPr vert="horz" wrap="square" lIns="91440" tIns="45720" rIns="91440" bIns="45720" anchor="t" compatLnSpc="1"/>
           <a:lstStyle/>
           <a:p>
-            <a:endParaRPr kumimoji="0" lang="en-US"/>
+            <a:endParaRPr kumimoji="0" lang="en-US" sz="1800"/>
           </a:p>
         </p:txBody>
       </p:sp>
@@ -717,8 +733,8 @@
         </p:nvSpPr>
         <p:spPr bwMode="auto">
           <a:xfrm>
-            <a:off x="1219200" y="0"/>
-            <a:ext cx="76200" cy="6858000"/>
+            <a:off x="1625600" y="0"/>
+            <a:ext cx="101600" cy="6858000"/>
           </a:xfrm>
           <a:prstGeom prst="rect">
             <a:avLst/>
@@ -754,7 +770,7 @@
           <a:lstStyle/>
           <a:p>
             <a:pPr algn="ctr" eaLnBrk="1" latinLnBrk="0" hangingPunct="1"/>
-            <a:endParaRPr kumimoji="0" lang="en-US" dirty="0"/>
+            <a:endParaRPr kumimoji="0" lang="en-US" sz="1800" dirty="0"/>
           </a:p>
         </p:txBody>
       </p:sp>
@@ -766,8 +782,8 @@
         </p:nvSpPr>
         <p:spPr bwMode="auto">
           <a:xfrm>
-            <a:off x="609600" y="3429000"/>
-            <a:ext cx="1295400" cy="1295400"/>
+            <a:off x="812800" y="3429000"/>
+            <a:ext cx="1727200" cy="1295400"/>
           </a:xfrm>
           <a:prstGeom prst="ellipse">
             <a:avLst/>
@@ -800,7 +816,7 @@
           <a:lstStyle/>
           <a:p>
             <a:pPr algn="ctr" eaLnBrk="1" latinLnBrk="0" hangingPunct="1"/>
-            <a:endParaRPr kumimoji="0" lang="en-US" dirty="0"/>
+            <a:endParaRPr kumimoji="0" lang="en-US" sz="1800" dirty="0"/>
           </a:p>
         </p:txBody>
       </p:sp>
@@ -812,8 +828,8 @@
         </p:nvSpPr>
         <p:spPr bwMode="auto">
           <a:xfrm>
-            <a:off x="1309632" y="4866752"/>
-            <a:ext cx="641424" cy="641424"/>
+            <a:off x="1746176" y="4866752"/>
+            <a:ext cx="855232" cy="641424"/>
           </a:xfrm>
           <a:prstGeom prst="ellipse">
             <a:avLst/>
@@ -843,7 +859,7 @@
           <a:lstStyle/>
           <a:p>
             <a:pPr algn="ctr" eaLnBrk="1" latinLnBrk="0" hangingPunct="1"/>
-            <a:endParaRPr kumimoji="0" lang="en-US" dirty="0"/>
+            <a:endParaRPr kumimoji="0" lang="en-US" sz="1800" dirty="0"/>
           </a:p>
         </p:txBody>
       </p:sp>
@@ -855,8 +871,8 @@
         </p:nvSpPr>
         <p:spPr bwMode="auto">
           <a:xfrm>
-            <a:off x="1091080" y="5500632"/>
-            <a:ext cx="137160" cy="137160"/>
+            <a:off x="1454773" y="5500632"/>
+            <a:ext cx="182880" cy="137160"/>
           </a:xfrm>
           <a:prstGeom prst="ellipse">
             <a:avLst/>
@@ -886,7 +902,7 @@
           <a:lstStyle/>
           <a:p>
             <a:pPr algn="ctr" eaLnBrk="1" latinLnBrk="0" hangingPunct="1"/>
-            <a:endParaRPr kumimoji="0" lang="en-US" dirty="0"/>
+            <a:endParaRPr kumimoji="0" lang="en-US" sz="1800" dirty="0"/>
           </a:p>
         </p:txBody>
       </p:sp>
@@ -898,8 +914,8 @@
         </p:nvSpPr>
         <p:spPr bwMode="auto">
           <a:xfrm>
-            <a:off x="1664208" y="5788152"/>
-            <a:ext cx="274320" cy="274320"/>
+            <a:off x="2218944" y="5788152"/>
+            <a:ext cx="365760" cy="274320"/>
           </a:xfrm>
           <a:prstGeom prst="ellipse">
             <a:avLst/>
@@ -929,7 +945,7 @@
           <a:lstStyle/>
           <a:p>
             <a:pPr algn="ctr" eaLnBrk="1" latinLnBrk="0" hangingPunct="1"/>
-            <a:endParaRPr kumimoji="0" lang="en-US" dirty="0"/>
+            <a:endParaRPr kumimoji="0" lang="en-US" sz="1800" dirty="0"/>
           </a:p>
         </p:txBody>
       </p:sp>
@@ -941,8 +957,8 @@
         </p:nvSpPr>
         <p:spPr>
           <a:xfrm>
-            <a:off x="1905000" y="4495800"/>
-            <a:ext cx="365760" cy="365760"/>
+            <a:off x="2540000" y="4495800"/>
+            <a:ext cx="487680" cy="365760"/>
           </a:xfrm>
           <a:prstGeom prst="ellipse">
             <a:avLst/>
@@ -972,7 +988,7 @@
           <a:lstStyle/>
           <a:p>
             <a:pPr algn="ctr" eaLnBrk="1" latinLnBrk="0" hangingPunct="1"/>
-            <a:endParaRPr kumimoji="0" lang="en-US" dirty="0"/>
+            <a:endParaRPr kumimoji="0" lang="en-US" sz="1800" dirty="0"/>
           </a:p>
         </p:txBody>
       </p:sp>
@@ -988,8 +1004,8 @@
         </p:nvSpPr>
         <p:spPr bwMode="auto">
           <a:xfrm>
-            <a:off x="1325544" y="4928702"/>
-            <a:ext cx="609600" cy="517524"/>
+            <a:off x="1767392" y="4928702"/>
+            <a:ext cx="812800" cy="517524"/>
           </a:xfrm>
         </p:spPr>
         <p:txBody>
@@ -1123,7 +1139,7 @@
             <a:fld id="{86B5546F-C09B-4E63-ABC5-F7C86A7E8D66}" type="datetimeFigureOut">
               <a:rPr lang="en-US" smtClean="0"/>
               <a:pPr/>
-              <a:t>9/1/2018</a:t>
+              <a:t>11/16/2019</a:t>
             </a:fld>
             <a:endParaRPr lang="en-US"/>
           </a:p>
@@ -1209,8 +1225,8 @@
         </p:nvSpPr>
         <p:spPr>
           <a:xfrm>
-            <a:off x="6629400" y="274639"/>
-            <a:ext cx="1676400" cy="5851525"/>
+            <a:off x="8839200" y="274640"/>
+            <a:ext cx="2235200" cy="5851525"/>
           </a:xfrm>
         </p:spPr>
         <p:txBody>
@@ -1237,8 +1253,8 @@
         </p:nvSpPr>
         <p:spPr>
           <a:xfrm>
-            <a:off x="457200" y="274638"/>
-            <a:ext cx="6019800" cy="5851525"/>
+            <a:off x="609600" y="274639"/>
+            <a:ext cx="8026400" cy="5851525"/>
           </a:xfrm>
         </p:spPr>
         <p:txBody>
@@ -1300,7 +1316,7 @@
             <a:fld id="{86B5546F-C09B-4E63-ABC5-F7C86A7E8D66}" type="datetimeFigureOut">
               <a:rPr lang="en-US" smtClean="0"/>
               <a:pPr/>
-              <a:t>9/1/2018</a:t>
+              <a:t>11/16/2019</a:t>
             </a:fld>
             <a:endParaRPr lang="en-US"/>
           </a:p>
@@ -1409,8 +1425,8 @@
         </p:nvSpPr>
         <p:spPr>
           <a:xfrm>
-            <a:off x="457200" y="1600200"/>
-            <a:ext cx="7467600" cy="4873752"/>
+            <a:off x="609600" y="1600200"/>
+            <a:ext cx="9956800" cy="4873752"/>
           </a:xfrm>
         </p:spPr>
         <p:txBody>
@@ -1472,7 +1488,7 @@
             <a:fld id="{86B5546F-C09B-4E63-ABC5-F7C86A7E8D66}" type="datetimeFigureOut">
               <a:rPr lang="en-US" smtClean="0"/>
               <a:pPr/>
-              <a:t>9/1/2018</a:t>
+              <a:t>11/16/2019</a:t>
             </a:fld>
             <a:endParaRPr lang="en-US"/>
           </a:p>
@@ -1563,8 +1579,8 @@
         </p:nvSpPr>
         <p:spPr>
           <a:xfrm>
-            <a:off x="2286000" y="2895600"/>
-            <a:ext cx="6172200" cy="2053590"/>
+            <a:off x="3048000" y="2895600"/>
+            <a:ext cx="8229600" cy="2053590"/>
           </a:xfrm>
         </p:spPr>
         <p:txBody>
@@ -1596,8 +1612,8 @@
         </p:nvSpPr>
         <p:spPr>
           <a:xfrm>
-            <a:off x="2286000" y="5010150"/>
-            <a:ext cx="6172200" cy="1371600"/>
+            <a:off x="3048000" y="5010150"/>
+            <a:ext cx="8229600" cy="1371600"/>
           </a:xfrm>
         </p:spPr>
         <p:txBody>
@@ -1673,8 +1689,8 @@
         </p:nvSpPr>
         <p:spPr bwMode="auto">
           <a:xfrm rot="5400000">
-            <a:off x="7763256" y="1170432"/>
-            <a:ext cx="2286000" cy="381000"/>
+            <a:off x="10732008" y="1106932"/>
+            <a:ext cx="2286000" cy="508000"/>
           </a:xfrm>
         </p:spPr>
         <p:txBody>
@@ -1684,7 +1700,7 @@
             <a:fld id="{86B5546F-C09B-4E63-ABC5-F7C86A7E8D66}" type="datetimeFigureOut">
               <a:rPr lang="en-US" smtClean="0"/>
               <a:pPr/>
-              <a:t>9/1/2018</a:t>
+              <a:t>11/16/2019</a:t>
             </a:fld>
             <a:endParaRPr lang="en-US"/>
           </a:p>
@@ -1702,8 +1718,8 @@
         </p:nvSpPr>
         <p:spPr bwMode="auto">
           <a:xfrm rot="5400000">
-            <a:off x="7077456" y="4178808"/>
-            <a:ext cx="3657600" cy="384048"/>
+            <a:off x="10046208" y="4114800"/>
+            <a:ext cx="3657600" cy="512064"/>
           </a:xfrm>
         </p:spPr>
         <p:txBody>
@@ -1722,8 +1738,8 @@
         </p:nvSpPr>
         <p:spPr bwMode="auto">
           <a:xfrm>
-            <a:off x="381000" y="0"/>
-            <a:ext cx="609600" cy="6858000"/>
+            <a:off x="508000" y="0"/>
+            <a:ext cx="812800" cy="6858000"/>
           </a:xfrm>
           <a:prstGeom prst="rect">
             <a:avLst/>
@@ -1759,7 +1775,7 @@
           <a:lstStyle/>
           <a:p>
             <a:pPr algn="ctr" eaLnBrk="1" latinLnBrk="0" hangingPunct="1"/>
-            <a:endParaRPr kumimoji="0" lang="en-US"/>
+            <a:endParaRPr kumimoji="0" lang="en-US" sz="1800"/>
           </a:p>
         </p:txBody>
       </p:sp>
@@ -1771,8 +1787,8 @@
         </p:nvSpPr>
         <p:spPr bwMode="auto">
           <a:xfrm>
-            <a:off x="276336" y="0"/>
-            <a:ext cx="104664" cy="6858000"/>
+            <a:off x="368448" y="0"/>
+            <a:ext cx="139552" cy="6858000"/>
           </a:xfrm>
           <a:prstGeom prst="rect">
             <a:avLst/>
@@ -1808,7 +1824,7 @@
           <a:lstStyle/>
           <a:p>
             <a:pPr algn="ctr" eaLnBrk="1" latinLnBrk="0" hangingPunct="1"/>
-            <a:endParaRPr kumimoji="0" lang="en-US"/>
+            <a:endParaRPr kumimoji="0" lang="en-US" sz="1800"/>
           </a:p>
         </p:txBody>
       </p:sp>
@@ -1820,8 +1836,8 @@
         </p:nvSpPr>
         <p:spPr bwMode="auto">
           <a:xfrm>
-            <a:off x="990600" y="0"/>
-            <a:ext cx="181872" cy="6858000"/>
+            <a:off x="1320800" y="0"/>
+            <a:ext cx="242496" cy="6858000"/>
           </a:xfrm>
           <a:prstGeom prst="rect">
             <a:avLst/>
@@ -1857,7 +1873,7 @@
           <a:lstStyle/>
           <a:p>
             <a:pPr algn="ctr" eaLnBrk="1" latinLnBrk="0" hangingPunct="1"/>
-            <a:endParaRPr kumimoji="0" lang="en-US"/>
+            <a:endParaRPr kumimoji="0" lang="en-US" sz="1800"/>
           </a:p>
         </p:txBody>
       </p:sp>
@@ -1869,8 +1885,8 @@
         </p:nvSpPr>
         <p:spPr bwMode="auto">
           <a:xfrm>
-            <a:off x="1141320" y="0"/>
-            <a:ext cx="230280" cy="6858000"/>
+            <a:off x="1521760" y="0"/>
+            <a:ext cx="307040" cy="6858000"/>
           </a:xfrm>
           <a:prstGeom prst="rect">
             <a:avLst/>
@@ -1906,7 +1922,7 @@
           <a:lstStyle/>
           <a:p>
             <a:pPr algn="ctr" eaLnBrk="1" latinLnBrk="0" hangingPunct="1"/>
-            <a:endParaRPr kumimoji="0" lang="en-US"/>
+            <a:endParaRPr kumimoji="0" lang="en-US" sz="1800"/>
           </a:p>
         </p:txBody>
       </p:sp>
@@ -1920,7 +1936,7 @@
         </p:nvSpPr>
         <p:spPr bwMode="auto">
           <a:xfrm>
-            <a:off x="106344" y="0"/>
+            <a:off x="141792" y="0"/>
             <a:ext cx="0" cy="6858000"/>
           </a:xfrm>
           <a:prstGeom prst="line">
@@ -1945,7 +1961,7 @@
           <a:bodyPr vert="horz" wrap="square" lIns="91440" tIns="45720" rIns="91440" bIns="45720" anchor="t" compatLnSpc="1"/>
           <a:lstStyle/>
           <a:p>
-            <a:endParaRPr kumimoji="0" lang="en-US"/>
+            <a:endParaRPr kumimoji="0" lang="en-US" sz="1800"/>
           </a:p>
         </p:txBody>
       </p:sp>
@@ -1959,7 +1975,7 @@
         </p:nvSpPr>
         <p:spPr bwMode="auto">
           <a:xfrm>
-            <a:off x="914400" y="0"/>
+            <a:off x="1219200" y="0"/>
             <a:ext cx="0" cy="6858000"/>
           </a:xfrm>
           <a:prstGeom prst="line">
@@ -1984,7 +2000,7 @@
           <a:bodyPr vert="horz" wrap="square" lIns="91440" tIns="45720" rIns="91440" bIns="45720" anchor="t" compatLnSpc="1"/>
           <a:lstStyle/>
           <a:p>
-            <a:endParaRPr kumimoji="0" lang="en-US"/>
+            <a:endParaRPr kumimoji="0" lang="en-US" sz="1800"/>
           </a:p>
         </p:txBody>
       </p:sp>
@@ -1998,7 +2014,7 @@
         </p:nvSpPr>
         <p:spPr bwMode="auto">
           <a:xfrm>
-            <a:off x="854112" y="0"/>
+            <a:off x="1138816" y="0"/>
             <a:ext cx="0" cy="6858000"/>
           </a:xfrm>
           <a:prstGeom prst="line">
@@ -2022,7 +2038,7 @@
           <a:bodyPr vert="horz" wrap="square" lIns="91440" tIns="45720" rIns="91440" bIns="45720" anchor="t" compatLnSpc="1"/>
           <a:lstStyle/>
           <a:p>
-            <a:endParaRPr kumimoji="0" lang="en-US"/>
+            <a:endParaRPr kumimoji="0" lang="en-US" sz="1800"/>
           </a:p>
         </p:txBody>
       </p:sp>
@@ -2036,7 +2052,7 @@
         </p:nvSpPr>
         <p:spPr bwMode="auto">
           <a:xfrm>
-            <a:off x="1726640" y="0"/>
+            <a:off x="2302187" y="0"/>
             <a:ext cx="0" cy="6858000"/>
           </a:xfrm>
           <a:prstGeom prst="line">
@@ -2061,7 +2077,7 @@
           <a:bodyPr vert="horz" wrap="square" lIns="91440" tIns="45720" rIns="91440" bIns="45720" anchor="t" compatLnSpc="1"/>
           <a:lstStyle/>
           <a:p>
-            <a:endParaRPr kumimoji="0" lang="en-US"/>
+            <a:endParaRPr kumimoji="0" lang="en-US" sz="1800"/>
           </a:p>
         </p:txBody>
       </p:sp>
@@ -2075,7 +2091,7 @@
         </p:nvSpPr>
         <p:spPr bwMode="auto">
           <a:xfrm>
-            <a:off x="1066800" y="0"/>
+            <a:off x="1422400" y="0"/>
             <a:ext cx="0" cy="6858000"/>
           </a:xfrm>
           <a:prstGeom prst="line">
@@ -2099,7 +2115,7 @@
           <a:bodyPr vert="horz" wrap="square" lIns="91440" tIns="45720" rIns="91440" bIns="45720" anchor="t" compatLnSpc="1"/>
           <a:lstStyle/>
           <a:p>
-            <a:endParaRPr kumimoji="0" lang="en-US"/>
+            <a:endParaRPr kumimoji="0" lang="en-US" sz="1800"/>
           </a:p>
         </p:txBody>
       </p:sp>
@@ -2111,8 +2127,8 @@
         </p:nvSpPr>
         <p:spPr bwMode="auto">
           <a:xfrm>
-            <a:off x="1219200" y="0"/>
-            <a:ext cx="76200" cy="6858000"/>
+            <a:off x="1625600" y="0"/>
+            <a:ext cx="101600" cy="6858000"/>
           </a:xfrm>
           <a:prstGeom prst="rect">
             <a:avLst/>
@@ -2148,7 +2164,7 @@
           <a:lstStyle/>
           <a:p>
             <a:pPr algn="ctr" eaLnBrk="1" latinLnBrk="0" hangingPunct="1"/>
-            <a:endParaRPr kumimoji="0" lang="en-US" dirty="0"/>
+            <a:endParaRPr kumimoji="0" lang="en-US" sz="1800" dirty="0"/>
           </a:p>
         </p:txBody>
       </p:sp>
@@ -2160,8 +2176,8 @@
         </p:nvSpPr>
         <p:spPr bwMode="auto">
           <a:xfrm>
-            <a:off x="609600" y="3429000"/>
-            <a:ext cx="1295400" cy="1295400"/>
+            <a:off x="812800" y="3429000"/>
+            <a:ext cx="1727200" cy="1295400"/>
           </a:xfrm>
           <a:prstGeom prst="ellipse">
             <a:avLst/>
@@ -2191,7 +2207,7 @@
           <a:lstStyle/>
           <a:p>
             <a:pPr algn="ctr" eaLnBrk="1" latinLnBrk="0" hangingPunct="1"/>
-            <a:endParaRPr kumimoji="0" lang="en-US" dirty="0"/>
+            <a:endParaRPr kumimoji="0" lang="en-US" sz="1800" dirty="0"/>
           </a:p>
         </p:txBody>
       </p:sp>
@@ -2203,8 +2219,8 @@
         </p:nvSpPr>
         <p:spPr bwMode="auto">
           <a:xfrm>
-            <a:off x="1324704" y="4866752"/>
-            <a:ext cx="641424" cy="641424"/>
+            <a:off x="1766272" y="4866752"/>
+            <a:ext cx="855232" cy="641424"/>
           </a:xfrm>
           <a:prstGeom prst="ellipse">
             <a:avLst/>
@@ -2234,7 +2250,7 @@
           <a:lstStyle/>
           <a:p>
             <a:pPr algn="ctr" eaLnBrk="1" latinLnBrk="0" hangingPunct="1"/>
-            <a:endParaRPr kumimoji="0" lang="en-US" dirty="0"/>
+            <a:endParaRPr kumimoji="0" lang="en-US" sz="1800" dirty="0"/>
           </a:p>
         </p:txBody>
       </p:sp>
@@ -2246,8 +2262,8 @@
         </p:nvSpPr>
         <p:spPr bwMode="auto">
           <a:xfrm>
-            <a:off x="1091080" y="5500632"/>
-            <a:ext cx="137160" cy="137160"/>
+            <a:off x="1454773" y="5500632"/>
+            <a:ext cx="182880" cy="137160"/>
           </a:xfrm>
           <a:prstGeom prst="ellipse">
             <a:avLst/>
@@ -2277,7 +2293,7 @@
           <a:lstStyle/>
           <a:p>
             <a:pPr algn="ctr" eaLnBrk="1" latinLnBrk="0" hangingPunct="1"/>
-            <a:endParaRPr kumimoji="0" lang="en-US" dirty="0"/>
+            <a:endParaRPr kumimoji="0" lang="en-US" sz="1800" dirty="0"/>
           </a:p>
         </p:txBody>
       </p:sp>
@@ -2289,8 +2305,8 @@
         </p:nvSpPr>
         <p:spPr bwMode="auto">
           <a:xfrm>
-            <a:off x="1664208" y="5791200"/>
-            <a:ext cx="274320" cy="274320"/>
+            <a:off x="2218944" y="5791200"/>
+            <a:ext cx="365760" cy="274320"/>
           </a:xfrm>
           <a:prstGeom prst="ellipse">
             <a:avLst/>
@@ -2320,7 +2336,7 @@
           <a:lstStyle/>
           <a:p>
             <a:pPr algn="ctr" eaLnBrk="1" latinLnBrk="0" hangingPunct="1"/>
-            <a:endParaRPr kumimoji="0" lang="en-US" dirty="0"/>
+            <a:endParaRPr kumimoji="0" lang="en-US" sz="1800" dirty="0"/>
           </a:p>
         </p:txBody>
       </p:sp>
@@ -2332,8 +2348,8 @@
         </p:nvSpPr>
         <p:spPr bwMode="auto">
           <a:xfrm>
-            <a:off x="1879040" y="4479888"/>
-            <a:ext cx="365760" cy="365760"/>
+            <a:off x="2505387" y="4479888"/>
+            <a:ext cx="487680" cy="365760"/>
           </a:xfrm>
           <a:prstGeom prst="ellipse">
             <a:avLst/>
@@ -2363,7 +2379,7 @@
           <a:lstStyle/>
           <a:p>
             <a:pPr algn="ctr" eaLnBrk="1" latinLnBrk="0" hangingPunct="1"/>
-            <a:endParaRPr kumimoji="0" lang="en-US" dirty="0"/>
+            <a:endParaRPr kumimoji="0" lang="en-US" sz="1800" dirty="0"/>
           </a:p>
         </p:txBody>
       </p:sp>
@@ -2377,7 +2393,7 @@
         </p:nvSpPr>
         <p:spPr bwMode="auto">
           <a:xfrm>
-            <a:off x="9097944" y="0"/>
+            <a:off x="12130592" y="0"/>
             <a:ext cx="0" cy="6858000"/>
           </a:xfrm>
           <a:prstGeom prst="line">
@@ -2401,7 +2417,7 @@
           <a:bodyPr vert="horz" wrap="square" lIns="91440" tIns="45720" rIns="91440" bIns="45720" anchor="t" compatLnSpc="1"/>
           <a:lstStyle/>
           <a:p>
-            <a:endParaRPr kumimoji="0" lang="en-US"/>
+            <a:endParaRPr kumimoji="0" lang="en-US" sz="1800"/>
           </a:p>
         </p:txBody>
       </p:sp>
@@ -2417,8 +2433,8 @@
         </p:nvSpPr>
         <p:spPr bwMode="auto">
           <a:xfrm>
-            <a:off x="1340616" y="4928702"/>
-            <a:ext cx="609600" cy="517524"/>
+            <a:off x="1787488" y="4928702"/>
+            <a:ext cx="812800" cy="517524"/>
           </a:xfrm>
         </p:spPr>
         <p:txBody>
@@ -2500,7 +2516,7 @@
             <a:fld id="{86B5546F-C09B-4E63-ABC5-F7C86A7E8D66}" type="datetimeFigureOut">
               <a:rPr lang="en-US" smtClean="0"/>
               <a:pPr/>
-              <a:t>9/1/2018</a:t>
+              <a:t>11/16/2019</a:t>
             </a:fld>
             <a:endParaRPr lang="en-US"/>
           </a:p>
@@ -2561,8 +2577,8 @@
         </p:nvSpPr>
         <p:spPr>
           <a:xfrm>
-            <a:off x="457200" y="1600200"/>
-            <a:ext cx="3657600" cy="4572000"/>
+            <a:off x="609600" y="1600200"/>
+            <a:ext cx="4876800" cy="4572000"/>
           </a:xfrm>
         </p:spPr>
         <p:txBody>
@@ -2618,8 +2634,8 @@
         </p:nvSpPr>
         <p:spPr>
           <a:xfrm>
-            <a:off x="4270248" y="1600200"/>
-            <a:ext cx="3657600" cy="4572000"/>
+            <a:off x="5693664" y="1600200"/>
+            <a:ext cx="4876800" cy="4572000"/>
           </a:xfrm>
         </p:spPr>
         <p:txBody>
@@ -2700,8 +2716,8 @@
         </p:nvSpPr>
         <p:spPr>
           <a:xfrm>
-            <a:off x="457200" y="273050"/>
-            <a:ext cx="7543800" cy="1143000"/>
+            <a:off x="609600" y="273050"/>
+            <a:ext cx="10058400" cy="1143000"/>
           </a:xfrm>
         </p:spPr>
         <p:txBody>
@@ -2738,7 +2754,7 @@
             <a:fld id="{86B5546F-C09B-4E63-ABC5-F7C86A7E8D66}" type="datetimeFigureOut">
               <a:rPr lang="en-US" smtClean="0"/>
               <a:pPr/>
-              <a:t>9/1/2018</a:t>
+              <a:t>11/16/2019</a:t>
             </a:fld>
             <a:endParaRPr lang="en-US"/>
           </a:p>
@@ -2799,8 +2815,8 @@
         </p:nvSpPr>
         <p:spPr>
           <a:xfrm>
-            <a:off x="457200" y="2362200"/>
-            <a:ext cx="3657600" cy="3886200"/>
+            <a:off x="609600" y="2362200"/>
+            <a:ext cx="4876800" cy="3886200"/>
           </a:xfrm>
         </p:spPr>
         <p:txBody>
@@ -2856,8 +2872,8 @@
         </p:nvSpPr>
         <p:spPr>
           <a:xfrm>
-            <a:off x="4371975" y="2362200"/>
-            <a:ext cx="3657600" cy="3886200"/>
+            <a:off x="5829300" y="2362200"/>
+            <a:ext cx="4876800" cy="3886200"/>
           </a:xfrm>
         </p:spPr>
         <p:txBody>
@@ -2913,8 +2929,8 @@
         </p:nvSpPr>
         <p:spPr>
           <a:xfrm>
-            <a:off x="457200" y="1569720"/>
-            <a:ext cx="3657600" cy="658368"/>
+            <a:off x="609600" y="1569720"/>
+            <a:ext cx="4876800" cy="658368"/>
           </a:xfrm>
           <a:prstGeom prst="roundRect">
             <a:avLst>
@@ -2961,8 +2977,8 @@
         </p:nvSpPr>
         <p:spPr>
           <a:xfrm>
-            <a:off x="4343400" y="1569720"/>
-            <a:ext cx="3657600" cy="658368"/>
+            <a:off x="5791200" y="1569720"/>
+            <a:ext cx="4876800" cy="658368"/>
           </a:xfrm>
           <a:prstGeom prst="roundRect">
             <a:avLst>
@@ -3063,7 +3079,7 @@
             <a:fld id="{86B5546F-C09B-4E63-ABC5-F7C86A7E8D66}" type="datetimeFigureOut">
               <a:rPr lang="en-US" smtClean="0"/>
               <a:pPr/>
-              <a:t>9/1/2018</a:t>
+              <a:t>11/16/2019</a:t>
             </a:fld>
             <a:endParaRPr lang="en-US"/>
           </a:p>
@@ -3155,7 +3171,7 @@
             <a:fld id="{86B5546F-C09B-4E63-ABC5-F7C86A7E8D66}" type="datetimeFigureOut">
               <a:rPr lang="en-US" smtClean="0"/>
               <a:pPr/>
-              <a:t>9/1/2018</a:t>
+              <a:t>11/16/2019</a:t>
             </a:fld>
             <a:endParaRPr lang="en-US"/>
           </a:p>
@@ -3244,7 +3260,7 @@
         </p:nvSpPr>
         <p:spPr bwMode="auto">
           <a:xfrm>
-            <a:off x="8763000" y="0"/>
+            <a:off x="11684000" y="0"/>
             <a:ext cx="0" cy="6858000"/>
           </a:xfrm>
           <a:prstGeom prst="line">
@@ -3269,7 +3285,7 @@
           <a:bodyPr vert="horz" wrap="square" lIns="91440" tIns="45720" rIns="91440" bIns="45720" anchor="t" compatLnSpc="1"/>
           <a:lstStyle/>
           <a:p>
-            <a:endParaRPr kumimoji="0" lang="en-US" dirty="0"/>
+            <a:endParaRPr kumimoji="0" lang="en-US" sz="1800" dirty="0"/>
           </a:p>
         </p:txBody>
       </p:sp>
@@ -3285,8 +3301,8 @@
         </p:nvSpPr>
         <p:spPr>
           <a:xfrm rot="5400000">
-            <a:off x="3371850" y="3200400"/>
-            <a:ext cx="6309360" cy="457200"/>
+            <a:off x="5547360" y="3124200"/>
+            <a:ext cx="6309360" cy="609600"/>
           </a:xfrm>
         </p:spPr>
         <p:txBody>
@@ -3318,8 +3334,8 @@
         </p:nvSpPr>
         <p:spPr>
           <a:xfrm>
-            <a:off x="6812280" y="274320"/>
-            <a:ext cx="1527048" cy="4983480"/>
+            <a:off x="9083040" y="274320"/>
+            <a:ext cx="2036064" cy="4983480"/>
           </a:xfrm>
         </p:spPr>
         <p:txBody>
@@ -3371,7 +3387,7 @@
         </p:nvSpPr>
         <p:spPr bwMode="auto">
           <a:xfrm>
-            <a:off x="6248400" y="0"/>
+            <a:off x="8331200" y="0"/>
             <a:ext cx="0" cy="6858000"/>
           </a:xfrm>
           <a:prstGeom prst="line">
@@ -3395,7 +3411,7 @@
           <a:bodyPr vert="horz" wrap="square" lIns="91440" tIns="45720" rIns="91440" bIns="45720" anchor="t" compatLnSpc="1"/>
           <a:lstStyle/>
           <a:p>
-            <a:endParaRPr kumimoji="0" lang="en-US" dirty="0"/>
+            <a:endParaRPr kumimoji="0" lang="en-US" sz="1800" dirty="0"/>
           </a:p>
         </p:txBody>
       </p:sp>
@@ -3409,7 +3425,7 @@
         </p:nvSpPr>
         <p:spPr bwMode="auto">
           <a:xfrm>
-            <a:off x="6192296" y="0"/>
+            <a:off x="8256395" y="0"/>
             <a:ext cx="0" cy="6858000"/>
           </a:xfrm>
           <a:prstGeom prst="line">
@@ -3431,7 +3447,7 @@
           <a:bodyPr vert="horz" wrap="square" lIns="91440" tIns="45720" rIns="91440" bIns="45720" anchor="t" compatLnSpc="1"/>
           <a:lstStyle/>
           <a:p>
-            <a:endParaRPr kumimoji="0" lang="en-US" dirty="0"/>
+            <a:endParaRPr kumimoji="0" lang="en-US" sz="1800" dirty="0"/>
           </a:p>
         </p:txBody>
       </p:sp>
@@ -3445,7 +3461,7 @@
         </p:nvSpPr>
         <p:spPr bwMode="auto">
           <a:xfrm>
-            <a:off x="8991600" y="0"/>
+            <a:off x="11988800" y="0"/>
             <a:ext cx="0" cy="6858000"/>
           </a:xfrm>
           <a:prstGeom prst="line">
@@ -3467,7 +3483,7 @@
           <a:bodyPr vert="horz" wrap="square" lIns="91440" tIns="45720" rIns="91440" bIns="45720" anchor="t" compatLnSpc="1"/>
           <a:lstStyle/>
           <a:p>
-            <a:endParaRPr kumimoji="0" lang="en-US"/>
+            <a:endParaRPr kumimoji="0" lang="en-US" sz="1800"/>
           </a:p>
         </p:txBody>
       </p:sp>
@@ -3479,8 +3495,8 @@
         </p:nvSpPr>
         <p:spPr bwMode="auto">
           <a:xfrm>
-            <a:off x="8839200" y="0"/>
-            <a:ext cx="304800" cy="6858000"/>
+            <a:off x="11785600" y="0"/>
+            <a:ext cx="406400" cy="6858000"/>
           </a:xfrm>
           <a:prstGeom prst="rect">
             <a:avLst/>
@@ -3516,7 +3532,7 @@
           <a:lstStyle/>
           <a:p>
             <a:pPr algn="ctr" eaLnBrk="1" latinLnBrk="0" hangingPunct="1"/>
-            <a:endParaRPr kumimoji="0" lang="en-US"/>
+            <a:endParaRPr kumimoji="0" lang="en-US" sz="1800"/>
           </a:p>
         </p:txBody>
       </p:sp>
@@ -3530,7 +3546,7 @@
         </p:nvSpPr>
         <p:spPr bwMode="auto">
           <a:xfrm>
-            <a:off x="8915400" y="0"/>
+            <a:off x="11887200" y="0"/>
             <a:ext cx="0" cy="6858000"/>
           </a:xfrm>
           <a:prstGeom prst="line">
@@ -3552,7 +3568,7 @@
           <a:bodyPr vert="horz" wrap="square" lIns="91440" tIns="45720" rIns="91440" bIns="45720" anchor="t" compatLnSpc="1"/>
           <a:lstStyle/>
           <a:p>
-            <a:endParaRPr kumimoji="0" lang="en-US"/>
+            <a:endParaRPr kumimoji="0" lang="en-US" sz="1800"/>
           </a:p>
         </p:txBody>
       </p:sp>
@@ -3564,8 +3580,8 @@
         </p:nvSpPr>
         <p:spPr>
           <a:xfrm>
-            <a:off x="8156448" y="5715000"/>
-            <a:ext cx="548640" cy="548640"/>
+            <a:off x="10875264" y="5715000"/>
+            <a:ext cx="731520" cy="548640"/>
           </a:xfrm>
           <a:prstGeom prst="ellipse">
             <a:avLst/>
@@ -3595,7 +3611,7 @@
           <a:lstStyle/>
           <a:p>
             <a:pPr algn="ctr" eaLnBrk="1" latinLnBrk="0" hangingPunct="1"/>
-            <a:endParaRPr kumimoji="0" lang="en-US" dirty="0"/>
+            <a:endParaRPr kumimoji="0" lang="en-US" sz="1800" dirty="0"/>
           </a:p>
         </p:txBody>
       </p:sp>
@@ -3611,8 +3627,8 @@
         </p:nvSpPr>
         <p:spPr>
           <a:xfrm>
-            <a:off x="304800" y="274320"/>
-            <a:ext cx="5638800" cy="6327648"/>
+            <a:off x="406400" y="274320"/>
+            <a:ext cx="7518400" cy="6327648"/>
           </a:xfrm>
         </p:spPr>
         <p:txBody>
@@ -3674,7 +3690,7 @@
             <a:fld id="{86B5546F-C09B-4E63-ABC5-F7C86A7E8D66}" type="datetimeFigureOut">
               <a:rPr lang="en-US" smtClean="0"/>
               <a:pPr/>
-              <a:t>9/1/2018</a:t>
+              <a:t>11/16/2019</a:t>
             </a:fld>
             <a:endParaRPr lang="en-US"/>
           </a:p>
@@ -3758,7 +3774,7 @@
         </p:nvSpPr>
         <p:spPr bwMode="auto">
           <a:xfrm>
-            <a:off x="8763000" y="0"/>
+            <a:off x="11684000" y="0"/>
             <a:ext cx="0" cy="6858000"/>
           </a:xfrm>
           <a:prstGeom prst="line">
@@ -3782,7 +3798,7 @@
           <a:bodyPr vert="horz" wrap="square" lIns="91440" tIns="45720" rIns="91440" bIns="45720" anchor="t" compatLnSpc="1"/>
           <a:lstStyle/>
           <a:p>
-            <a:endParaRPr kumimoji="0" lang="en-US"/>
+            <a:endParaRPr kumimoji="0" lang="en-US" sz="1800"/>
           </a:p>
         </p:txBody>
       </p:sp>
@@ -3794,8 +3810,8 @@
         </p:nvSpPr>
         <p:spPr>
           <a:xfrm>
-            <a:off x="8156448" y="5715000"/>
-            <a:ext cx="548640" cy="548640"/>
+            <a:off x="10875264" y="5715000"/>
+            <a:ext cx="731520" cy="548640"/>
           </a:xfrm>
           <a:prstGeom prst="ellipse">
             <a:avLst/>
@@ -3825,7 +3841,7 @@
           <a:lstStyle/>
           <a:p>
             <a:pPr algn="ctr" eaLnBrk="1" latinLnBrk="0" hangingPunct="1"/>
-            <a:endParaRPr kumimoji="0" lang="en-US" dirty="0"/>
+            <a:endParaRPr kumimoji="0" lang="en-US" sz="1800" dirty="0"/>
           </a:p>
         </p:txBody>
       </p:sp>
@@ -3841,8 +3857,8 @@
         </p:nvSpPr>
         <p:spPr>
           <a:xfrm rot="5400000">
-            <a:off x="3350133" y="3200400"/>
-            <a:ext cx="6309360" cy="457200"/>
+            <a:off x="5518404" y="3124200"/>
+            <a:ext cx="6309360" cy="609600"/>
           </a:xfrm>
         </p:spPr>
         <p:txBody>
@@ -3875,7 +3891,7 @@
         <p:spPr>
           <a:xfrm>
             <a:off x="0" y="0"/>
-            <a:ext cx="6172200" cy="6858000"/>
+            <a:ext cx="8229600" cy="6858000"/>
           </a:xfrm>
           <a:solidFill>
             <a:schemeClr val="bg2"/>
@@ -3933,8 +3949,8 @@
         </p:nvSpPr>
         <p:spPr>
           <a:xfrm>
-            <a:off x="6765798" y="264795"/>
-            <a:ext cx="1524000" cy="4956048"/>
+            <a:off x="9021064" y="264795"/>
+            <a:ext cx="2032000" cy="4956048"/>
           </a:xfrm>
         </p:spPr>
         <p:txBody>
@@ -3985,7 +4001,7 @@
         </p:nvSpPr>
         <p:spPr bwMode="auto">
           <a:xfrm>
-            <a:off x="8991600" y="0"/>
+            <a:off x="11988800" y="0"/>
             <a:ext cx="0" cy="6858000"/>
           </a:xfrm>
           <a:prstGeom prst="line">
@@ -4007,7 +4023,7 @@
           <a:bodyPr vert="horz" wrap="square" lIns="91440" tIns="45720" rIns="91440" bIns="45720" anchor="t" compatLnSpc="1"/>
           <a:lstStyle/>
           <a:p>
-            <a:endParaRPr kumimoji="0" lang="en-US"/>
+            <a:endParaRPr kumimoji="0" lang="en-US" sz="1800"/>
           </a:p>
         </p:txBody>
       </p:sp>
@@ -4019,8 +4035,8 @@
         </p:nvSpPr>
         <p:spPr bwMode="auto">
           <a:xfrm>
-            <a:off x="8839200" y="0"/>
-            <a:ext cx="304800" cy="6858000"/>
+            <a:off x="11785600" y="0"/>
+            <a:ext cx="406400" cy="6858000"/>
           </a:xfrm>
           <a:prstGeom prst="rect">
             <a:avLst/>
@@ -4055,7 +4071,7 @@
           <a:lstStyle/>
           <a:p>
             <a:pPr algn="ctr" eaLnBrk="1" latinLnBrk="0" hangingPunct="1"/>
-            <a:endParaRPr kumimoji="0" lang="en-US"/>
+            <a:endParaRPr kumimoji="0" lang="en-US" sz="1800"/>
           </a:p>
         </p:txBody>
       </p:sp>
@@ -4069,7 +4085,7 @@
         </p:nvSpPr>
         <p:spPr bwMode="auto">
           <a:xfrm>
-            <a:off x="8915400" y="0"/>
+            <a:off x="11887200" y="0"/>
             <a:ext cx="0" cy="6858000"/>
           </a:xfrm>
           <a:prstGeom prst="line">
@@ -4091,7 +4107,7 @@
           <a:bodyPr vert="horz" wrap="square" lIns="91440" tIns="45720" rIns="91440" bIns="45720" anchor="t" compatLnSpc="1"/>
           <a:lstStyle/>
           <a:p>
-            <a:endParaRPr kumimoji="0" lang="en-US"/>
+            <a:endParaRPr kumimoji="0" lang="en-US" sz="1800"/>
           </a:p>
         </p:txBody>
       </p:sp>
@@ -4105,7 +4121,7 @@
         </p:nvSpPr>
         <p:spPr bwMode="auto">
           <a:xfrm>
-            <a:off x="6248400" y="0"/>
+            <a:off x="8331200" y="0"/>
             <a:ext cx="0" cy="6858000"/>
           </a:xfrm>
           <a:prstGeom prst="line">
@@ -4129,7 +4145,7 @@
           <a:bodyPr vert="horz" wrap="square" lIns="91440" tIns="45720" rIns="91440" bIns="45720" anchor="t" compatLnSpc="1"/>
           <a:lstStyle/>
           <a:p>
-            <a:endParaRPr kumimoji="0" lang="en-US" dirty="0"/>
+            <a:endParaRPr kumimoji="0" lang="en-US" sz="1800" dirty="0"/>
           </a:p>
         </p:txBody>
       </p:sp>
@@ -4143,7 +4159,7 @@
         </p:nvSpPr>
         <p:spPr bwMode="auto">
           <a:xfrm>
-            <a:off x="6192296" y="0"/>
+            <a:off x="8256395" y="0"/>
             <a:ext cx="0" cy="6858000"/>
           </a:xfrm>
           <a:prstGeom prst="line">
@@ -4165,7 +4181,7 @@
           <a:bodyPr vert="horz" wrap="square" lIns="91440" tIns="45720" rIns="91440" bIns="45720" anchor="t" compatLnSpc="1"/>
           <a:lstStyle/>
           <a:p>
-            <a:endParaRPr kumimoji="0" lang="en-US" dirty="0"/>
+            <a:endParaRPr kumimoji="0" lang="en-US" sz="1800" dirty="0"/>
           </a:p>
         </p:txBody>
       </p:sp>
@@ -4187,7 +4203,7 @@
             <a:fld id="{86B5546F-C09B-4E63-ABC5-F7C86A7E8D66}" type="datetimeFigureOut">
               <a:rPr lang="en-US" smtClean="0"/>
               <a:pPr/>
-              <a:t>9/1/2018</a:t>
+              <a:t>11/16/2019</a:t>
             </a:fld>
             <a:endParaRPr lang="en-US"/>
           </a:p>
@@ -4276,7 +4292,7 @@
         </p:nvSpPr>
         <p:spPr bwMode="auto">
           <a:xfrm>
-            <a:off x="8763000" y="0"/>
+            <a:off x="11684000" y="0"/>
             <a:ext cx="0" cy="6858000"/>
           </a:xfrm>
           <a:prstGeom prst="line">
@@ -4301,7 +4317,7 @@
           <a:bodyPr vert="horz" wrap="square" lIns="91440" tIns="45720" rIns="91440" bIns="45720" anchor="t" compatLnSpc="1"/>
           <a:lstStyle/>
           <a:p>
-            <a:endParaRPr kumimoji="0" lang="en-US" dirty="0"/>
+            <a:endParaRPr kumimoji="0" lang="en-US" sz="1800" dirty="0"/>
           </a:p>
         </p:txBody>
       </p:sp>
@@ -4317,8 +4333,8 @@
         </p:nvSpPr>
         <p:spPr>
           <a:xfrm>
-            <a:off x="457200" y="274638"/>
-            <a:ext cx="7467600" cy="1143000"/>
+            <a:off x="609600" y="274638"/>
+            <a:ext cx="9956800" cy="1143000"/>
           </a:xfrm>
           <a:prstGeom prst="rect">
             <a:avLst/>
@@ -4350,8 +4366,8 @@
         </p:nvSpPr>
         <p:spPr>
           <a:xfrm>
-            <a:off x="457200" y="1600200"/>
-            <a:ext cx="7467600" cy="4873752"/>
+            <a:off x="609600" y="1600200"/>
+            <a:ext cx="9956800" cy="4873752"/>
           </a:xfrm>
           <a:prstGeom prst="rect">
             <a:avLst/>
@@ -4412,8 +4428,8 @@
         </p:nvSpPr>
         <p:spPr>
           <a:xfrm rot="5400000">
-            <a:off x="7589520" y="1081851"/>
-            <a:ext cx="2011680" cy="384048"/>
+            <a:off x="10454640" y="1017843"/>
+            <a:ext cx="2011680" cy="512064"/>
           </a:xfrm>
           <a:prstGeom prst="rect">
             <a:avLst/>
@@ -4434,7 +4450,7 @@
             <a:fld id="{86B5546F-C09B-4E63-ABC5-F7C86A7E8D66}" type="datetimeFigureOut">
               <a:rPr lang="en-US" smtClean="0"/>
               <a:pPr/>
-              <a:t>9/1/2018</a:t>
+              <a:t>11/16/2019</a:t>
             </a:fld>
             <a:endParaRPr lang="en-US"/>
           </a:p>
@@ -4452,8 +4468,8 @@
         </p:nvSpPr>
         <p:spPr>
           <a:xfrm rot="5400000">
-            <a:off x="6990186" y="3737240"/>
-            <a:ext cx="3200400" cy="365760"/>
+            <a:off x="9853648" y="3676280"/>
+            <a:ext cx="3200400" cy="487680"/>
           </a:xfrm>
           <a:prstGeom prst="rect">
             <a:avLst/>
@@ -4485,7 +4501,7 @@
         </p:nvSpPr>
         <p:spPr bwMode="auto">
           <a:xfrm>
-            <a:off x="76200" y="0"/>
+            <a:off x="101600" y="0"/>
             <a:ext cx="0" cy="6858000"/>
           </a:xfrm>
           <a:prstGeom prst="line">
@@ -4509,7 +4525,7 @@
           <a:bodyPr vert="horz" wrap="square" lIns="91440" tIns="45720" rIns="91440" bIns="45720" anchor="t" compatLnSpc="1"/>
           <a:lstStyle/>
           <a:p>
-            <a:endParaRPr kumimoji="0" lang="en-US"/>
+            <a:endParaRPr kumimoji="0" lang="en-US" sz="1800"/>
           </a:p>
         </p:txBody>
       </p:sp>
@@ -4523,7 +4539,7 @@
         </p:nvSpPr>
         <p:spPr bwMode="auto">
           <a:xfrm>
-            <a:off x="8991600" y="0"/>
+            <a:off x="11988800" y="0"/>
             <a:ext cx="0" cy="6858000"/>
           </a:xfrm>
           <a:prstGeom prst="line">
@@ -4545,7 +4561,7 @@
           <a:bodyPr vert="horz" wrap="square" lIns="91440" tIns="45720" rIns="91440" bIns="45720" anchor="t" compatLnSpc="1"/>
           <a:lstStyle/>
           <a:p>
-            <a:endParaRPr kumimoji="0" lang="en-US"/>
+            <a:endParaRPr kumimoji="0" lang="en-US" sz="1800"/>
           </a:p>
         </p:txBody>
       </p:sp>
@@ -4557,8 +4573,8 @@
         </p:nvSpPr>
         <p:spPr bwMode="auto">
           <a:xfrm>
-            <a:off x="8839200" y="0"/>
-            <a:ext cx="304800" cy="6858000"/>
+            <a:off x="11785600" y="0"/>
+            <a:ext cx="406400" cy="6858000"/>
           </a:xfrm>
           <a:prstGeom prst="rect">
             <a:avLst/>
@@ -4594,7 +4610,7 @@
           <a:lstStyle/>
           <a:p>
             <a:pPr algn="ctr" eaLnBrk="1" latinLnBrk="0" hangingPunct="1"/>
-            <a:endParaRPr kumimoji="0" lang="en-US"/>
+            <a:endParaRPr kumimoji="0" lang="en-US" sz="1800"/>
           </a:p>
         </p:txBody>
       </p:sp>
@@ -4608,7 +4624,7 @@
         </p:nvSpPr>
         <p:spPr bwMode="auto">
           <a:xfrm>
-            <a:off x="8915400" y="0"/>
+            <a:off x="11887200" y="0"/>
             <a:ext cx="0" cy="6858000"/>
           </a:xfrm>
           <a:prstGeom prst="line">
@@ -4630,7 +4646,7 @@
           <a:bodyPr vert="horz" wrap="square" lIns="91440" tIns="45720" rIns="91440" bIns="45720" anchor="t" compatLnSpc="1"/>
           <a:lstStyle/>
           <a:p>
-            <a:endParaRPr kumimoji="0" lang="en-US"/>
+            <a:endParaRPr kumimoji="0" lang="en-US" sz="1800"/>
           </a:p>
         </p:txBody>
       </p:sp>
@@ -4642,8 +4658,8 @@
         </p:nvSpPr>
         <p:spPr>
           <a:xfrm>
-            <a:off x="8156448" y="5715000"/>
-            <a:ext cx="548640" cy="548640"/>
+            <a:off x="10875264" y="5715000"/>
+            <a:ext cx="731520" cy="548640"/>
           </a:xfrm>
           <a:prstGeom prst="ellipse">
             <a:avLst/>
@@ -4673,7 +4689,7 @@
           <a:lstStyle/>
           <a:p>
             <a:pPr algn="ctr" eaLnBrk="1" latinLnBrk="0" hangingPunct="1"/>
-            <a:endParaRPr kumimoji="0" lang="en-US" dirty="0"/>
+            <a:endParaRPr kumimoji="0" lang="en-US" sz="1800" dirty="0"/>
           </a:p>
         </p:txBody>
       </p:sp>
@@ -4689,8 +4705,8 @@
         </p:nvSpPr>
         <p:spPr>
           <a:xfrm>
-            <a:off x="8129016" y="5734050"/>
-            <a:ext cx="609600" cy="521208"/>
+            <a:off x="10838688" y="5734050"/>
+            <a:ext cx="812800" cy="521208"/>
           </a:xfrm>
           <a:prstGeom prst="rect">
             <a:avLst/>
@@ -5058,7 +5074,7 @@
           <a:lstStyle/>
           <a:p>
             <a:r>
-              <a:rPr lang="zh-CN" altLang="en-US" sz="8000" dirty="0" smtClean="0">
+              <a:rPr lang="zh-CN" altLang="en-US" sz="8000" dirty="0">
                 <a:latin typeface="微軟正黑體" pitchFamily="34" charset="-120"/>
                 <a:ea typeface="微軟正黑體" pitchFamily="34" charset="-120"/>
               </a:rPr>
@@ -5174,8 +5190,8 @@
         </p:nvSpPr>
         <p:spPr>
           <a:xfrm>
-            <a:off x="0" y="0"/>
-            <a:ext cx="9144000" cy="7010400"/>
+            <a:off x="152400" y="0"/>
+            <a:ext cx="11506200" cy="7010400"/>
           </a:xfrm>
         </p:spPr>
         <p:txBody>
@@ -5185,14 +5201,14 @@
           <a:lstStyle/>
           <a:p>
             <a:r>
-              <a:rPr lang="zh-TW" altLang="en-US" sz="6000" dirty="0" smtClean="0">
+              <a:rPr lang="zh-TW" altLang="en-US" sz="6000" dirty="0">
                 <a:latin typeface="微軟正黑體" pitchFamily="34" charset="-120"/>
                 <a:ea typeface="微軟正黑體" pitchFamily="34" charset="-120"/>
               </a:rPr>
               <a:t>從今以後，我不在世上，他們卻在世上；我往你那裡去。聖父啊，求你因你所賜給我的名保守他們，叫他們合而為一像我們一樣。</a:t>
             </a:r>
             <a:r>
-              <a:rPr lang="en-US" altLang="zh-TW" sz="6000" dirty="0" smtClean="0">
+              <a:rPr lang="en-US" altLang="zh-TW" sz="6000" dirty="0">
                 <a:latin typeface="微軟正黑體" pitchFamily="34" charset="-120"/>
                 <a:ea typeface="微軟正黑體" pitchFamily="34" charset="-120"/>
               </a:rPr>
@@ -5238,8 +5254,8 @@
         </p:nvSpPr>
         <p:spPr>
           <a:xfrm>
-            <a:off x="0" y="0"/>
-            <a:ext cx="9144000" cy="7010400"/>
+            <a:off x="152400" y="0"/>
+            <a:ext cx="11506200" cy="7010400"/>
           </a:xfrm>
         </p:spPr>
         <p:txBody>
@@ -5249,27 +5265,27 @@
           <a:lstStyle/>
           <a:p>
             <a:r>
-              <a:rPr lang="zh-TW" altLang="en-US" sz="6000" b="1" dirty="0" smtClean="0">
+              <a:rPr lang="zh-TW" altLang="en-US" sz="6000" b="1">
                 <a:latin typeface="微軟正黑體" pitchFamily="34" charset="-120"/>
                 <a:ea typeface="微軟正黑體" pitchFamily="34" charset="-120"/>
               </a:rPr>
               <a:t>「我不但為這些人祈求，也為那些因他們的話信我的人祈求，</a:t>
             </a:r>
             <a:r>
-              <a:rPr lang="en-US" altLang="zh-TW" sz="6000" b="1" dirty="0" smtClean="0">
+              <a:rPr lang="en-US" altLang="zh-TW" sz="6000" b="1">
                 <a:latin typeface="微軟正黑體" pitchFamily="34" charset="-120"/>
                 <a:ea typeface="微軟正黑體" pitchFamily="34" charset="-120"/>
               </a:rPr>
               <a:t> </a:t>
             </a:r>
             <a:r>
-              <a:rPr lang="zh-TW" altLang="en-US" sz="6000" b="1" dirty="0" smtClean="0">
+              <a:rPr lang="zh-TW" altLang="en-US" sz="6000" b="1">
                 <a:latin typeface="微軟正黑體" pitchFamily="34" charset="-120"/>
                 <a:ea typeface="微軟正黑體" pitchFamily="34" charset="-120"/>
               </a:rPr>
               <a:t>使他們都合而為一。正如你父在我裡面，我在你裡面，使他們也在我們裡面，叫世人可以信你差了我來。</a:t>
             </a:r>
-            <a:endParaRPr lang="en-US" altLang="zh-TW" sz="6000" b="1" dirty="0" smtClean="0">
+            <a:endParaRPr lang="en-US" altLang="zh-TW" sz="6000" b="1" dirty="0">
               <a:latin typeface="微軟正黑體" pitchFamily="34" charset="-120"/>
               <a:ea typeface="微軟正黑體" pitchFamily="34" charset="-120"/>
             </a:endParaRPr>
@@ -5277,6 +5293,11 @@
         </p:txBody>
       </p:sp>
     </p:spTree>
+    <p:extLst>
+      <p:ext uri="{BB962C8B-B14F-4D97-AF65-F5344CB8AC3E}">
+        <p14:creationId xmlns:p14="http://schemas.microsoft.com/office/powerpoint/2010/main" val="119726267"/>
+      </p:ext>
+    </p:extLst>
   </p:cSld>
   <p:clrMapOvr>
     <a:masterClrMapping/>
@@ -5313,31 +5334,24 @@
         </p:nvSpPr>
         <p:spPr>
           <a:xfrm>
-            <a:off x="0" y="0"/>
-            <a:ext cx="9144000" cy="7010400"/>
+            <a:off x="152400" y="0"/>
+            <a:ext cx="11506200" cy="7010400"/>
           </a:xfrm>
         </p:spPr>
         <p:txBody>
           <a:bodyPr>
-            <a:noAutofit/>
+            <a:normAutofit/>
           </a:bodyPr>
           <a:lstStyle/>
           <a:p>
             <a:r>
-              <a:rPr lang="zh-TW" altLang="en-US" sz="6000" dirty="0" smtClean="0">
+              <a:rPr lang="zh-TW" altLang="en-US" sz="6000" dirty="0">
                 <a:latin typeface="微軟正黑體" pitchFamily="34" charset="-120"/>
                 <a:ea typeface="微軟正黑體" pitchFamily="34" charset="-120"/>
               </a:rPr>
-              <a:t>你所賜給我的榮耀，我已賜給他們，使他們合而為一，像我們合而為一</a:t>
-            </a:r>
-            <a:r>
-              <a:rPr lang="zh-TW" altLang="en-US" sz="6000" dirty="0" smtClean="0">
-                <a:latin typeface="微軟正黑體" pitchFamily="34" charset="-120"/>
-                <a:ea typeface="微軟正黑體" pitchFamily="34" charset="-120"/>
-              </a:rPr>
-              <a:t>。</a:t>
-            </a:r>
-            <a:endParaRPr lang="en-US" altLang="zh-TW" sz="6000" dirty="0" smtClean="0">
+              <a:t>你所賜給我的榮耀，我已賜給他們，使他們合而為一，像我們合而為一。</a:t>
+            </a:r>
+            <a:endParaRPr lang="en-US" altLang="zh-TW" sz="6000" dirty="0">
               <a:latin typeface="微軟正黑體" pitchFamily="34" charset="-120"/>
               <a:ea typeface="微軟正黑體" pitchFamily="34" charset="-120"/>
             </a:endParaRPr>
@@ -5345,6 +5359,11 @@
         </p:txBody>
       </p:sp>
     </p:spTree>
+    <p:extLst>
+      <p:ext uri="{BB962C8B-B14F-4D97-AF65-F5344CB8AC3E}">
+        <p14:creationId xmlns:p14="http://schemas.microsoft.com/office/powerpoint/2010/main" val="11618315"/>
+      </p:ext>
+    </p:extLst>
   </p:cSld>
   <p:clrMapOvr>
     <a:masterClrMapping/>
@@ -5381,31 +5400,24 @@
         </p:nvSpPr>
         <p:spPr>
           <a:xfrm>
-            <a:off x="0" y="0"/>
-            <a:ext cx="9144000" cy="7010400"/>
+            <a:off x="152400" y="0"/>
+            <a:ext cx="11506200" cy="7010400"/>
           </a:xfrm>
         </p:spPr>
         <p:txBody>
           <a:bodyPr>
-            <a:noAutofit/>
+            <a:normAutofit/>
           </a:bodyPr>
           <a:lstStyle/>
           <a:p>
             <a:r>
-              <a:rPr lang="zh-TW" altLang="en-US" sz="6000" b="1" dirty="0" smtClean="0">
+              <a:rPr lang="zh-TW" altLang="en-US" sz="6000" b="1" dirty="0">
                 <a:latin typeface="微軟正黑體" pitchFamily="34" charset="-120"/>
                 <a:ea typeface="微軟正黑體" pitchFamily="34" charset="-120"/>
               </a:rPr>
-              <a:t>我</a:t>
-            </a:r>
-            <a:r>
-              <a:rPr lang="zh-TW" altLang="en-US" sz="6000" b="1" dirty="0" smtClean="0">
-                <a:latin typeface="微軟正黑體" pitchFamily="34" charset="-120"/>
-                <a:ea typeface="微軟正黑體" pitchFamily="34" charset="-120"/>
-              </a:rPr>
-              <a:t>在他們裡面，你在我裡面，使他們完完全全的合而為一，叫世人知道你差了我來，也知道你愛他們如同愛我一樣。</a:t>
-            </a:r>
-            <a:endParaRPr lang="en-US" altLang="zh-TW" sz="6000" b="1" dirty="0" smtClean="0">
+              <a:t>我在他們裡面，你在我裡面，使他們完完全全的合而為一，叫世人知道你差了我來，也知道你愛他們如同愛我一樣。</a:t>
+            </a:r>
+            <a:endParaRPr lang="en-US" altLang="zh-TW" sz="6000" b="1" dirty="0">
               <a:latin typeface="微軟正黑體" pitchFamily="34" charset="-120"/>
               <a:ea typeface="微軟正黑體" pitchFamily="34" charset="-120"/>
             </a:endParaRPr>
@@ -5413,6 +5425,11 @@
         </p:txBody>
       </p:sp>
     </p:spTree>
+    <p:extLst>
+      <p:ext uri="{BB962C8B-B14F-4D97-AF65-F5344CB8AC3E}">
+        <p14:creationId xmlns:p14="http://schemas.microsoft.com/office/powerpoint/2010/main" val="2193407456"/>
+      </p:ext>
+    </p:extLst>
   </p:cSld>
   <p:clrMapOvr>
     <a:masterClrMapping/>
@@ -5449,8 +5466,8 @@
         </p:nvSpPr>
         <p:spPr>
           <a:xfrm>
-            <a:off x="0" y="0"/>
-            <a:ext cx="9144000" cy="7010400"/>
+            <a:off x="152400" y="0"/>
+            <a:ext cx="11506200" cy="7010400"/>
           </a:xfrm>
         </p:spPr>
         <p:txBody>
@@ -5460,14 +5477,14 @@
           <a:lstStyle/>
           <a:p>
             <a:r>
-              <a:rPr lang="zh-TW" altLang="en-US" sz="6000" dirty="0" smtClean="0">
+              <a:rPr lang="zh-TW" altLang="en-US" sz="6000" dirty="0">
                 <a:latin typeface="微軟正黑體" pitchFamily="34" charset="-120"/>
                 <a:ea typeface="微軟正黑體" pitchFamily="34" charset="-120"/>
               </a:rPr>
               <a:t>恩賜原有分別，聖靈卻是一位。職事也有分別，主卻是一位。</a:t>
             </a:r>
             <a:r>
-              <a:rPr lang="en-US" altLang="zh-TW" sz="6000" dirty="0" smtClean="0">
+              <a:rPr lang="en-US" altLang="zh-TW" sz="6000" dirty="0">
                 <a:latin typeface="微軟正黑體" pitchFamily="34" charset="-120"/>
                 <a:ea typeface="微軟正黑體" pitchFamily="34" charset="-120"/>
               </a:rPr>
@@ -5476,23 +5493,32 @@
           </a:p>
           <a:p>
             <a:r>
-              <a:rPr lang="zh-TW" altLang="en-US" sz="6000" b="1" dirty="0" smtClean="0">
+              <a:rPr lang="zh-TW" altLang="en-US" sz="6000" b="1" dirty="0">
                 <a:latin typeface="微軟正黑體" pitchFamily="34" charset="-120"/>
                 <a:ea typeface="微軟正黑體" pitchFamily="34" charset="-120"/>
               </a:rPr>
               <a:t>功用也有分別，神卻是一位，在眾人裡面運行一切的事。聖靈顯在各人身上，是叫人得益處。</a:t>
             </a:r>
             <a:r>
-              <a:rPr lang="en-US" altLang="zh-TW" sz="6000" b="1" dirty="0" smtClean="0">
+              <a:rPr lang="en-US" altLang="zh-TW" sz="6000" b="1" dirty="0">
                 <a:latin typeface="微軟正黑體" pitchFamily="34" charset="-120"/>
                 <a:ea typeface="微軟正黑體" pitchFamily="34" charset="-120"/>
               </a:rPr>
               <a:t> </a:t>
             </a:r>
+            <a:endParaRPr lang="en-US" altLang="zh-TW" sz="6000" b="1" dirty="0">
+              <a:latin typeface="微軟正黑體" pitchFamily="34" charset="-120"/>
+              <a:ea typeface="微軟正黑體" pitchFamily="34" charset="-120"/>
+            </a:endParaRPr>
           </a:p>
         </p:txBody>
       </p:sp>
     </p:spTree>
+    <p:extLst>
+      <p:ext uri="{BB962C8B-B14F-4D97-AF65-F5344CB8AC3E}">
+        <p14:creationId xmlns:p14="http://schemas.microsoft.com/office/powerpoint/2010/main" val="1548745801"/>
+      </p:ext>
+    </p:extLst>
   </p:cSld>
   <p:clrMapOvr>
     <a:masterClrMapping/>
@@ -5529,34 +5555,43 @@
         </p:nvSpPr>
         <p:spPr>
           <a:xfrm>
-            <a:off x="0" y="0"/>
-            <a:ext cx="9144000" cy="7010400"/>
+            <a:off x="152400" y="0"/>
+            <a:ext cx="11506200" cy="7010400"/>
           </a:xfrm>
         </p:spPr>
         <p:txBody>
           <a:bodyPr>
-            <a:noAutofit/>
+            <a:normAutofit/>
           </a:bodyPr>
           <a:lstStyle/>
           <a:p>
             <a:r>
-              <a:rPr lang="zh-TW" altLang="en-US" sz="6000" dirty="0" smtClean="0">
+              <a:rPr lang="zh-TW" altLang="en-US" sz="6000">
                 <a:latin typeface="微軟正黑體" pitchFamily="34" charset="-120"/>
                 <a:ea typeface="微軟正黑體" pitchFamily="34" charset="-120"/>
               </a:rPr>
               <a:t>就如身子是一個，卻有許多肢體；而且肢體雖多，仍是一個身子；基督也是這樣。</a:t>
             </a:r>
             <a:r>
-              <a:rPr lang="en-US" altLang="zh-TW" sz="6000" dirty="0" smtClean="0">
+              <a:rPr lang="en-US" altLang="zh-TW" sz="6000">
                 <a:latin typeface="微軟正黑體" pitchFamily="34" charset="-120"/>
                 <a:ea typeface="微軟正黑體" pitchFamily="34" charset="-120"/>
               </a:rPr>
               <a:t> </a:t>
             </a:r>
+            <a:endParaRPr lang="en-US" altLang="zh-TW" sz="6000" dirty="0">
+              <a:latin typeface="微軟正黑體" pitchFamily="34" charset="-120"/>
+              <a:ea typeface="微軟正黑體" pitchFamily="34" charset="-120"/>
+            </a:endParaRPr>
           </a:p>
         </p:txBody>
       </p:sp>
     </p:spTree>
+    <p:extLst>
+      <p:ext uri="{BB962C8B-B14F-4D97-AF65-F5344CB8AC3E}">
+        <p14:creationId xmlns:p14="http://schemas.microsoft.com/office/powerpoint/2010/main" val="3801222885"/>
+      </p:ext>
+    </p:extLst>
   </p:cSld>
   <p:clrMapOvr>
     <a:masterClrMapping/>
@@ -5593,31 +5628,38 @@
         </p:nvSpPr>
         <p:spPr>
           <a:xfrm>
-            <a:off x="0" y="0"/>
-            <a:ext cx="9144000" cy="7010400"/>
+            <a:off x="152400" y="0"/>
+            <a:ext cx="11506200" cy="7010400"/>
           </a:xfrm>
         </p:spPr>
         <p:txBody>
           <a:bodyPr>
-            <a:noAutofit/>
+            <a:normAutofit/>
           </a:bodyPr>
           <a:lstStyle/>
           <a:p>
             <a:r>
-              <a:rPr lang="zh-TW" altLang="en-US" sz="6000" b="1" dirty="0" smtClean="0">
+              <a:rPr lang="zh-TW" altLang="en-US" sz="6000" b="1" dirty="0">
                 <a:latin typeface="微軟正黑體" pitchFamily="34" charset="-120"/>
                 <a:ea typeface="微軟正黑體" pitchFamily="34" charset="-120"/>
               </a:rPr>
-              <a:t>他</a:t>
-            </a:r>
-            <a:r>
-              <a:rPr lang="zh-TW" altLang="en-US" sz="6000" b="1" dirty="0" smtClean="0">
+              <a:t>他所賜的，有使徒，有先知，有傳福音的，有牧師和教師，為要成全聖徒，各盡其職，建立基督的身體，直等到我們眾人在真道上同歸</a:t>
+            </a:r>
+            <a:r>
+              <a:rPr lang="zh-TW" altLang="en-US" sz="6000" b="1">
                 <a:latin typeface="微軟正黑體" pitchFamily="34" charset="-120"/>
                 <a:ea typeface="微軟正黑體" pitchFamily="34" charset="-120"/>
               </a:rPr>
-              <a:t>所賜的，有使徒，有先知，有傳福音的，有牧師和教師，為要成全聖徒，各盡其職，建立基督的身體，直等到我們眾人在真道上同歸於一，</a:t>
-            </a:r>
-            <a:endParaRPr lang="en-US" altLang="zh-TW" sz="6000" b="1" dirty="0" smtClean="0">
+              <a:t>於</a:t>
+            </a:r>
+            <a:r>
+              <a:rPr lang="zh-TW" altLang="en-US" sz="6000" b="1" smtClean="0">
+                <a:latin typeface="微軟正黑體" pitchFamily="34" charset="-120"/>
+                <a:ea typeface="微軟正黑體" pitchFamily="34" charset="-120"/>
+              </a:rPr>
+              <a:t>一</a:t>
+            </a:r>
+            <a:endParaRPr lang="en-US" altLang="zh-TW" sz="6000" b="1" dirty="0">
               <a:latin typeface="微軟正黑體" pitchFamily="34" charset="-120"/>
               <a:ea typeface="微軟正黑體" pitchFamily="34" charset="-120"/>
             </a:endParaRPr>
@@ -5625,6 +5667,11 @@
         </p:txBody>
       </p:sp>
     </p:spTree>
+    <p:extLst>
+      <p:ext uri="{BB962C8B-B14F-4D97-AF65-F5344CB8AC3E}">
+        <p14:creationId xmlns:p14="http://schemas.microsoft.com/office/powerpoint/2010/main" val="2249250921"/>
+      </p:ext>
+    </p:extLst>
   </p:cSld>
   <p:clrMapOvr>
     <a:masterClrMapping/>
